--- a/Doc/Presentation/Presentation.pptx
+++ b/Doc/Presentation/Presentation.pptx
@@ -7,8 +7,9 @@
   <p:sldIdLst>
     <p:sldId id="256" r:id="rId2"/>
     <p:sldId id="257" r:id="rId3"/>
-    <p:sldId id="258" r:id="rId4"/>
-    <p:sldId id="259" r:id="rId5"/>
+    <p:sldId id="259" r:id="rId4"/>
+    <p:sldId id="260" r:id="rId5"/>
+    <p:sldId id="261" r:id="rId6"/>
   </p:sldIdLst>
   <p:sldSz cx="12192000" cy="6858000"/>
   <p:notesSz cx="6858000" cy="9144000"/>
@@ -6045,470 +6046,53 @@
           <a:p>
             <a:r>
               <a:rPr lang="fr-CH" dirty="0" smtClean="0"/>
-              <a:t>Gestion des droits</a:t>
+              <a:t>Communication client – serveur</a:t>
             </a:r>
             <a:endParaRPr lang="fr-CH" dirty="0"/>
           </a:p>
         </p:txBody>
       </p:sp>
-      <p:graphicFrame>
-        <p:nvGraphicFramePr>
-          <p:cNvPr id="6" name="Espace réservé du contenu 5"/>
-          <p:cNvGraphicFramePr>
-            <a:graphicFrameLocks noGrp="1"/>
-          </p:cNvGraphicFramePr>
-          <p:nvPr>
-            <p:ph idx="1"/>
-            <p:extLst>
-              <p:ext uri="{D42A27DB-BD31-4B8C-83A1-F6EECF244321}">
-                <p14:modId xmlns:p14="http://schemas.microsoft.com/office/powerpoint/2010/main" val="615374945"/>
-              </p:ext>
-            </p:extLst>
-          </p:nvPr>
-        </p:nvGraphicFramePr>
-        <p:xfrm>
-          <a:off x="677863" y="2160588"/>
-          <a:ext cx="8596312" cy="2565400"/>
-        </p:xfrm>
-        <a:graphic>
-          <a:graphicData uri="http://schemas.openxmlformats.org/drawingml/2006/table">
-            <a:tbl>
-              <a:tblPr firstRow="1" bandRow="1">
-                <a:tableStyleId>{5C22544A-7EE6-4342-B048-85BDC9FD1C3A}</a:tableStyleId>
-              </a:tblPr>
-              <a:tblGrid>
-                <a:gridCol w="2149078"/>
-                <a:gridCol w="2149078"/>
-                <a:gridCol w="2149078"/>
-                <a:gridCol w="2149078"/>
-              </a:tblGrid>
-              <a:tr h="370840">
-                <a:tc>
-                  <a:txBody>
-                    <a:bodyPr/>
-                    <a:lstStyle/>
-                    <a:p>
-                      <a:endParaRPr lang="fr-CH" dirty="0"/>
-                    </a:p>
-                  </a:txBody>
-                  <a:tcPr/>
-                </a:tc>
-                <a:tc>
-                  <a:txBody>
-                    <a:bodyPr/>
-                    <a:lstStyle/>
-                    <a:p>
-                      <a:pPr algn="ctr"/>
-                      <a:r>
-                        <a:rPr lang="fr-CH" dirty="0" smtClean="0"/>
-                        <a:t>Employé</a:t>
-                      </a:r>
-                      <a:endParaRPr lang="fr-CH" dirty="0"/>
-                    </a:p>
-                  </a:txBody>
-                  <a:tcPr/>
-                </a:tc>
-                <a:tc>
-                  <a:txBody>
-                    <a:bodyPr/>
-                    <a:lstStyle/>
-                    <a:p>
-                      <a:pPr algn="ctr"/>
-                      <a:r>
-                        <a:rPr lang="fr-CH" dirty="0" smtClean="0"/>
-                        <a:t>Caissier</a:t>
-                      </a:r>
-                      <a:endParaRPr lang="fr-CH" dirty="0"/>
-                    </a:p>
-                  </a:txBody>
-                  <a:tcPr/>
-                </a:tc>
-                <a:tc>
-                  <a:txBody>
-                    <a:bodyPr/>
-                    <a:lstStyle/>
-                    <a:p>
-                      <a:pPr algn="ctr"/>
-                      <a:r>
-                        <a:rPr lang="fr-CH" dirty="0" smtClean="0"/>
-                        <a:t>Superviseur</a:t>
-                      </a:r>
-                      <a:endParaRPr lang="fr-CH" dirty="0"/>
-                    </a:p>
-                  </a:txBody>
-                  <a:tcPr/>
-                </a:tc>
-              </a:tr>
-              <a:tr h="370840">
-                <a:tc>
-                  <a:txBody>
-                    <a:bodyPr/>
-                    <a:lstStyle/>
-                    <a:p>
-                      <a:r>
-                        <a:rPr lang="fr-CH" dirty="0" smtClean="0"/>
-                        <a:t>Saisie de consommation + voir les saisies</a:t>
-                      </a:r>
-                      <a:endParaRPr lang="fr-CH" dirty="0"/>
-                    </a:p>
-                  </a:txBody>
-                  <a:tcPr/>
-                </a:tc>
-                <a:tc>
-                  <a:txBody>
-                    <a:bodyPr/>
-                    <a:lstStyle/>
-                    <a:p>
-                      <a:endParaRPr lang="fr-CH" dirty="0"/>
-                    </a:p>
-                  </a:txBody>
-                  <a:tcPr/>
-                </a:tc>
-                <a:tc>
-                  <a:txBody>
-                    <a:bodyPr/>
-                    <a:lstStyle/>
-                    <a:p>
-                      <a:endParaRPr lang="fr-CH"/>
-                    </a:p>
-                  </a:txBody>
-                  <a:tcPr/>
-                </a:tc>
-                <a:tc>
-                  <a:txBody>
-                    <a:bodyPr/>
-                    <a:lstStyle/>
-                    <a:p>
-                      <a:endParaRPr lang="fr-CH" dirty="0"/>
-                    </a:p>
-                  </a:txBody>
-                  <a:tcPr/>
-                </a:tc>
-              </a:tr>
-              <a:tr h="370840">
-                <a:tc>
-                  <a:txBody>
-                    <a:bodyPr/>
-                    <a:lstStyle/>
-                    <a:p>
-                      <a:r>
-                        <a:rPr lang="fr-CH" dirty="0" smtClean="0"/>
-                        <a:t>Gestion</a:t>
-                      </a:r>
-                      <a:r>
-                        <a:rPr lang="fr-CH" baseline="0" dirty="0" smtClean="0"/>
-                        <a:t> des factures</a:t>
-                      </a:r>
-                      <a:endParaRPr lang="fr-CH" dirty="0"/>
-                    </a:p>
-                  </a:txBody>
-                  <a:tcPr/>
-                </a:tc>
-                <a:tc>
-                  <a:txBody>
-                    <a:bodyPr/>
-                    <a:lstStyle/>
-                    <a:p>
-                      <a:endParaRPr lang="fr-CH" dirty="0"/>
-                    </a:p>
-                  </a:txBody>
-                  <a:tcPr/>
-                </a:tc>
-                <a:tc>
-                  <a:txBody>
-                    <a:bodyPr/>
-                    <a:lstStyle/>
-                    <a:p>
-                      <a:endParaRPr lang="fr-CH" dirty="0"/>
-                    </a:p>
-                  </a:txBody>
-                  <a:tcPr/>
-                </a:tc>
-                <a:tc>
-                  <a:txBody>
-                    <a:bodyPr/>
-                    <a:lstStyle/>
-                    <a:p>
-                      <a:endParaRPr lang="fr-CH" dirty="0"/>
-                    </a:p>
-                  </a:txBody>
-                  <a:tcPr/>
-                </a:tc>
-              </a:tr>
-              <a:tr h="370840">
-                <a:tc>
-                  <a:txBody>
-                    <a:bodyPr/>
-                    <a:lstStyle/>
-                    <a:p>
-                      <a:r>
-                        <a:rPr lang="fr-CH" dirty="0" smtClean="0"/>
-                        <a:t>Gestion des</a:t>
-                      </a:r>
-                      <a:r>
-                        <a:rPr lang="fr-CH" baseline="0" dirty="0" smtClean="0"/>
-                        <a:t> utilisateurs</a:t>
-                      </a:r>
-                      <a:endParaRPr lang="fr-CH" dirty="0"/>
-                    </a:p>
-                  </a:txBody>
-                  <a:tcPr/>
-                </a:tc>
-                <a:tc>
-                  <a:txBody>
-                    <a:bodyPr/>
-                    <a:lstStyle/>
-                    <a:p>
-                      <a:endParaRPr lang="fr-CH" dirty="0"/>
-                    </a:p>
-                  </a:txBody>
-                  <a:tcPr/>
-                </a:tc>
-                <a:tc>
-                  <a:txBody>
-                    <a:bodyPr/>
-                    <a:lstStyle/>
-                    <a:p>
-                      <a:endParaRPr lang="fr-CH"/>
-                    </a:p>
-                  </a:txBody>
-                  <a:tcPr/>
-                </a:tc>
-                <a:tc>
-                  <a:txBody>
-                    <a:bodyPr/>
-                    <a:lstStyle/>
-                    <a:p>
-                      <a:endParaRPr lang="fr-CH" dirty="0"/>
-                    </a:p>
-                  </a:txBody>
-                  <a:tcPr/>
-                </a:tc>
-              </a:tr>
-            </a:tbl>
-          </a:graphicData>
-        </a:graphic>
-      </p:graphicFrame>
       <p:pic>
         <p:nvPicPr>
-          <p:cNvPr id="8" name="Image 7"/>
+          <p:cNvPr id="4" name="Espace réservé du contenu 3" descr="Résultat de recherche d'images pour &quot;communication client serveur php&quot;"/>
           <p:cNvPicPr>
-            <a:picLocks noChangeAspect="1"/>
+            <a:picLocks noGrp="1"/>
           </p:cNvPicPr>
-          <p:nvPr/>
+          <p:nvPr>
+            <p:ph idx="1"/>
+          </p:nvPr>
         </p:nvPicPr>
         <p:blipFill>
-          <a:blip r:embed="rId2"/>
+          <a:blip r:embed="rId2">
+            <a:extLst>
+              <a:ext uri="{28A0092B-C50C-407E-A947-70E740481C1C}">
+                <a14:useLocalDpi xmlns:a14="http://schemas.microsoft.com/office/drawing/2010/main" val="0"/>
+              </a:ext>
+            </a:extLst>
+          </a:blip>
+          <a:srcRect/>
           <a:stretch>
             <a:fillRect/>
           </a:stretch>
         </p:blipFill>
-        <p:spPr>
+        <p:spPr bwMode="auto">
           <a:xfrm>
-            <a:off x="3708886" y="2744198"/>
-            <a:ext cx="476536" cy="451213"/>
+            <a:off x="972145" y="1828054"/>
+            <a:ext cx="7300997" cy="3419941"/>
           </a:xfrm>
           <a:prstGeom prst="rect">
             <a:avLst/>
           </a:prstGeom>
-        </p:spPr>
-      </p:pic>
-      <p:pic>
-        <p:nvPicPr>
-          <p:cNvPr id="9" name="Image 8"/>
-          <p:cNvPicPr>
-            <a:picLocks noChangeAspect="1"/>
-          </p:cNvPicPr>
-          <p:nvPr/>
-        </p:nvPicPr>
-        <p:blipFill>
-          <a:blip r:embed="rId2"/>
-          <a:stretch>
-            <a:fillRect/>
-          </a:stretch>
-        </p:blipFill>
-        <p:spPr>
-          <a:xfrm>
-            <a:off x="5876103" y="2744198"/>
-            <a:ext cx="476536" cy="451213"/>
-          </a:xfrm>
-          <a:prstGeom prst="rect">
-            <a:avLst/>
-          </a:prstGeom>
-        </p:spPr>
-      </p:pic>
-      <p:pic>
-        <p:nvPicPr>
-          <p:cNvPr id="10" name="Image 9"/>
-          <p:cNvPicPr>
-            <a:picLocks noChangeAspect="1"/>
-          </p:cNvPicPr>
-          <p:nvPr/>
-        </p:nvPicPr>
-        <p:blipFill>
-          <a:blip r:embed="rId2"/>
-          <a:stretch>
-            <a:fillRect/>
-          </a:stretch>
-        </p:blipFill>
-        <p:spPr>
-          <a:xfrm>
-            <a:off x="8043320" y="2744198"/>
-            <a:ext cx="476536" cy="451213"/>
-          </a:xfrm>
-          <a:prstGeom prst="rect">
-            <a:avLst/>
-          </a:prstGeom>
-        </p:spPr>
-      </p:pic>
-      <p:pic>
-        <p:nvPicPr>
-          <p:cNvPr id="11" name="Image 10"/>
-          <p:cNvPicPr>
-            <a:picLocks noChangeAspect="1"/>
-          </p:cNvPicPr>
-          <p:nvPr/>
-        </p:nvPicPr>
-        <p:blipFill>
-          <a:blip r:embed="rId2"/>
-          <a:stretch>
-            <a:fillRect/>
-          </a:stretch>
-        </p:blipFill>
-        <p:spPr>
-          <a:xfrm>
-            <a:off x="5894737" y="3471364"/>
-            <a:ext cx="476536" cy="451213"/>
-          </a:xfrm>
-          <a:prstGeom prst="rect">
-            <a:avLst/>
-          </a:prstGeom>
-        </p:spPr>
-      </p:pic>
-      <p:pic>
-        <p:nvPicPr>
-          <p:cNvPr id="12" name="Image 11"/>
-          <p:cNvPicPr>
-            <a:picLocks noChangeAspect="1"/>
-          </p:cNvPicPr>
-          <p:nvPr/>
-        </p:nvPicPr>
-        <p:blipFill>
-          <a:blip r:embed="rId2"/>
-          <a:stretch>
-            <a:fillRect/>
-          </a:stretch>
-        </p:blipFill>
-        <p:spPr>
-          <a:xfrm>
-            <a:off x="8091468" y="3471363"/>
-            <a:ext cx="476536" cy="451213"/>
-          </a:xfrm>
-          <a:prstGeom prst="rect">
-            <a:avLst/>
-          </a:prstGeom>
-        </p:spPr>
-      </p:pic>
-      <p:pic>
-        <p:nvPicPr>
-          <p:cNvPr id="15" name="Image 14"/>
-          <p:cNvPicPr>
-            <a:picLocks noChangeAspect="1"/>
-          </p:cNvPicPr>
-          <p:nvPr/>
-        </p:nvPicPr>
-        <p:blipFill>
-          <a:blip r:embed="rId3"/>
-          <a:stretch>
-            <a:fillRect/>
-          </a:stretch>
-        </p:blipFill>
-        <p:spPr>
-          <a:xfrm>
-            <a:off x="3710804" y="3492862"/>
-            <a:ext cx="495170" cy="451213"/>
-          </a:xfrm>
-          <a:prstGeom prst="rect">
-            <a:avLst/>
-          </a:prstGeom>
-        </p:spPr>
-      </p:pic>
-      <p:pic>
-        <p:nvPicPr>
-          <p:cNvPr id="16" name="Image 15"/>
-          <p:cNvPicPr>
-            <a:picLocks noChangeAspect="1"/>
-          </p:cNvPicPr>
-          <p:nvPr/>
-        </p:nvPicPr>
-        <p:blipFill>
-          <a:blip r:embed="rId3"/>
-          <a:stretch>
-            <a:fillRect/>
-          </a:stretch>
-        </p:blipFill>
-        <p:spPr>
-          <a:xfrm>
-            <a:off x="3710804" y="4198528"/>
-            <a:ext cx="495170" cy="451213"/>
-          </a:xfrm>
-          <a:prstGeom prst="rect">
-            <a:avLst/>
-          </a:prstGeom>
-        </p:spPr>
-      </p:pic>
-      <p:pic>
-        <p:nvPicPr>
-          <p:cNvPr id="17" name="Image 16"/>
-          <p:cNvPicPr>
-            <a:picLocks noChangeAspect="1"/>
-          </p:cNvPicPr>
-          <p:nvPr/>
-        </p:nvPicPr>
-        <p:blipFill>
-          <a:blip r:embed="rId3"/>
-          <a:stretch>
-            <a:fillRect/>
-          </a:stretch>
-        </p:blipFill>
-        <p:spPr>
-          <a:xfrm>
-            <a:off x="5876103" y="4198527"/>
-            <a:ext cx="495170" cy="451213"/>
-          </a:xfrm>
-          <a:prstGeom prst="rect">
-            <a:avLst/>
-          </a:prstGeom>
-        </p:spPr>
-      </p:pic>
-      <p:pic>
-        <p:nvPicPr>
-          <p:cNvPr id="19" name="Image 18"/>
-          <p:cNvPicPr>
-            <a:picLocks noChangeAspect="1"/>
-          </p:cNvPicPr>
-          <p:nvPr/>
-        </p:nvPicPr>
-        <p:blipFill>
-          <a:blip r:embed="rId2"/>
-          <a:stretch>
-            <a:fillRect/>
-          </a:stretch>
-        </p:blipFill>
-        <p:spPr>
-          <a:xfrm>
-            <a:off x="8095810" y="4198526"/>
-            <a:ext cx="476536" cy="451213"/>
-          </a:xfrm>
-          <a:prstGeom prst="rect">
-            <a:avLst/>
-          </a:prstGeom>
+          <a:noFill/>
+          <a:ln>
+            <a:noFill/>
+          </a:ln>
         </p:spPr>
       </p:pic>
     </p:spTree>
     <p:extLst>
       <p:ext uri="{BB962C8B-B14F-4D97-AF65-F5344CB8AC3E}">
-        <p14:creationId xmlns:p14="http://schemas.microsoft.com/office/powerpoint/2010/main" val="987237478"/>
+        <p14:creationId xmlns:p14="http://schemas.microsoft.com/office/powerpoint/2010/main" val="2153170871"/>
       </p:ext>
     </p:extLst>
   </p:cSld>
@@ -6557,33 +6141,152 @@
           <a:bodyPr/>
           <a:lstStyle/>
           <a:p>
-            <a:endParaRPr lang="fr-CH"/>
-          </a:p>
-        </p:txBody>
-      </p:sp>
-      <p:sp>
-        <p:nvSpPr>
-          <p:cNvPr id="3" name="Espace réservé du contenu 2"/>
-          <p:cNvSpPr>
-            <a:spLocks noGrp="1"/>
-          </p:cNvSpPr>
+            <a:r>
+              <a:rPr lang="fr-CH" dirty="0" smtClean="0"/>
+              <a:t>Base de données</a:t>
+            </a:r>
+            <a:endParaRPr lang="fr-CH" dirty="0"/>
+          </a:p>
+        </p:txBody>
+      </p:sp>
+      <p:pic>
+        <p:nvPicPr>
+          <p:cNvPr id="4" name="Espace réservé du contenu 3" descr="C:\wamp64\www\TPI-TEST\Doc\Conception\MCD.jpg"/>
+          <p:cNvPicPr>
+            <a:picLocks noGrp="1"/>
+          </p:cNvPicPr>
           <p:nvPr>
             <p:ph idx="1"/>
           </p:nvPr>
-        </p:nvSpPr>
-        <p:spPr/>
-        <p:txBody>
-          <a:bodyPr/>
-          <a:lstStyle/>
-          <a:p>
-            <a:endParaRPr lang="fr-CH"/>
-          </a:p>
-        </p:txBody>
-      </p:sp>
+        </p:nvPicPr>
+        <p:blipFill>
+          <a:blip r:embed="rId2">
+            <a:extLst>
+              <a:ext uri="{28A0092B-C50C-407E-A947-70E740481C1C}">
+                <a14:useLocalDpi xmlns:a14="http://schemas.microsoft.com/office/drawing/2010/main" val="0"/>
+              </a:ext>
+            </a:extLst>
+          </a:blip>
+          <a:srcRect/>
+          <a:stretch>
+            <a:fillRect/>
+          </a:stretch>
+        </p:blipFill>
+        <p:spPr bwMode="auto">
+          <a:xfrm>
+            <a:off x="677333" y="2114390"/>
+            <a:ext cx="8974841" cy="2483735"/>
+          </a:xfrm>
+          <a:prstGeom prst="rect">
+            <a:avLst/>
+          </a:prstGeom>
+          <a:noFill/>
+          <a:ln>
+            <a:noFill/>
+          </a:ln>
+        </p:spPr>
+      </p:pic>
     </p:spTree>
     <p:extLst>
       <p:ext uri="{BB962C8B-B14F-4D97-AF65-F5344CB8AC3E}">
-        <p14:creationId xmlns:p14="http://schemas.microsoft.com/office/powerpoint/2010/main" val="2153170871"/>
+        <p14:creationId xmlns:p14="http://schemas.microsoft.com/office/powerpoint/2010/main" val="3507649958"/>
+      </p:ext>
+    </p:extLst>
+  </p:cSld>
+  <p:clrMapOvr>
+    <a:masterClrMapping/>
+  </p:clrMapOvr>
+  <p:timing>
+    <p:tnLst>
+      <p:par>
+        <p:cTn id="1" dur="indefinite" restart="never" nodeType="tmRoot"/>
+      </p:par>
+    </p:tnLst>
+  </p:timing>
+</p:sld>
+</file>
+
+<file path=ppt/slides/slide5.xml><?xml version="1.0" encoding="utf-8"?>
+<p:sld xmlns:a="http://schemas.openxmlformats.org/drawingml/2006/main" xmlns:r="http://schemas.openxmlformats.org/officeDocument/2006/relationships" xmlns:p="http://schemas.openxmlformats.org/presentationml/2006/main">
+  <p:cSld>
+    <p:spTree>
+      <p:nvGrpSpPr>
+        <p:cNvPr id="1" name=""/>
+        <p:cNvGrpSpPr/>
+        <p:nvPr/>
+      </p:nvGrpSpPr>
+      <p:grpSpPr>
+        <a:xfrm>
+          <a:off x="0" y="0"/>
+          <a:ext cx="0" cy="0"/>
+          <a:chOff x="0" y="0"/>
+          <a:chExt cx="0" cy="0"/>
+        </a:xfrm>
+      </p:grpSpPr>
+      <p:sp>
+        <p:nvSpPr>
+          <p:cNvPr id="2" name="Titre 1"/>
+          <p:cNvSpPr>
+            <a:spLocks noGrp="1"/>
+          </p:cNvSpPr>
+          <p:nvPr>
+            <p:ph type="title"/>
+          </p:nvPr>
+        </p:nvSpPr>
+        <p:spPr/>
+        <p:txBody>
+          <a:bodyPr/>
+          <a:lstStyle/>
+          <a:p>
+            <a:r>
+              <a:rPr lang="fr-CH" dirty="0" smtClean="0"/>
+              <a:t>Flux de navigation</a:t>
+            </a:r>
+            <a:endParaRPr lang="fr-CH" dirty="0"/>
+          </a:p>
+        </p:txBody>
+      </p:sp>
+      <p:pic>
+        <p:nvPicPr>
+          <p:cNvPr id="4" name="Espace réservé du contenu 3" descr="C:\wamp64\www\TPI-TEST\Doc\Conception\Flux_navigation.png"/>
+          <p:cNvPicPr>
+            <a:picLocks noGrp="1"/>
+          </p:cNvPicPr>
+          <p:nvPr>
+            <p:ph idx="1"/>
+          </p:nvPr>
+        </p:nvPicPr>
+        <p:blipFill>
+          <a:blip r:embed="rId2">
+            <a:extLst>
+              <a:ext uri="{28A0092B-C50C-407E-A947-70E740481C1C}">
+                <a14:useLocalDpi xmlns:a14="http://schemas.microsoft.com/office/drawing/2010/main" val="0"/>
+              </a:ext>
+            </a:extLst>
+          </a:blip>
+          <a:srcRect/>
+          <a:stretch>
+            <a:fillRect/>
+          </a:stretch>
+        </p:blipFill>
+        <p:spPr bwMode="auto">
+          <a:xfrm>
+            <a:off x="677334" y="1270000"/>
+            <a:ext cx="7334552" cy="5184770"/>
+          </a:xfrm>
+          <a:prstGeom prst="rect">
+            <a:avLst/>
+          </a:prstGeom>
+          <a:noFill/>
+          <a:ln>
+            <a:noFill/>
+          </a:ln>
+        </p:spPr>
+      </p:pic>
+    </p:spTree>
+    <p:extLst>
+      <p:ext uri="{BB962C8B-B14F-4D97-AF65-F5344CB8AC3E}">
+        <p14:creationId xmlns:p14="http://schemas.microsoft.com/office/powerpoint/2010/main" val="590023136"/>
       </p:ext>
     </p:extLst>
   </p:cSld>

--- a/Doc/Presentation/Presentation.pptx
+++ b/Doc/Presentation/Presentation.pptx
@@ -7,9 +7,17 @@
   <p:sldIdLst>
     <p:sldId id="256" r:id="rId2"/>
     <p:sldId id="257" r:id="rId3"/>
-    <p:sldId id="259" r:id="rId4"/>
-    <p:sldId id="260" r:id="rId5"/>
-    <p:sldId id="261" r:id="rId6"/>
+    <p:sldId id="264" r:id="rId4"/>
+    <p:sldId id="266" r:id="rId5"/>
+    <p:sldId id="265" r:id="rId6"/>
+    <p:sldId id="259" r:id="rId7"/>
+    <p:sldId id="260" r:id="rId8"/>
+    <p:sldId id="262" r:id="rId9"/>
+    <p:sldId id="263" r:id="rId10"/>
+    <p:sldId id="267" r:id="rId11"/>
+    <p:sldId id="268" r:id="rId12"/>
+    <p:sldId id="269" r:id="rId13"/>
+    <p:sldId id="270" r:id="rId14"/>
   </p:sldIdLst>
   <p:sldSz cx="12192000" cy="6858000"/>
   <p:notesSz cx="6858000" cy="9144000"/>
@@ -833,7 +841,7 @@
           <a:p>
             <a:fld id="{94328966-CC26-4D4A-9DE8-F31366E7A2C9}" type="datetimeFigureOut">
               <a:rPr lang="fr-CH" smtClean="0"/>
-              <a:t>22.03.2017</a:t>
+              <a:t>25.03.2017</a:t>
             </a:fld>
             <a:endParaRPr lang="fr-CH"/>
           </a:p>
@@ -1084,7 +1092,7 @@
           <a:p>
             <a:fld id="{94328966-CC26-4D4A-9DE8-F31366E7A2C9}" type="datetimeFigureOut">
               <a:rPr lang="fr-CH" smtClean="0"/>
-              <a:t>22.03.2017</a:t>
+              <a:t>25.03.2017</a:t>
             </a:fld>
             <a:endParaRPr lang="fr-CH"/>
           </a:p>
@@ -1398,7 +1406,7 @@
           <a:p>
             <a:fld id="{94328966-CC26-4D4A-9DE8-F31366E7A2C9}" type="datetimeFigureOut">
               <a:rPr lang="fr-CH" smtClean="0"/>
-              <a:t>22.03.2017</a:t>
+              <a:t>25.03.2017</a:t>
             </a:fld>
             <a:endParaRPr lang="fr-CH"/>
           </a:p>
@@ -1739,7 +1747,7 @@
           <a:p>
             <a:fld id="{94328966-CC26-4D4A-9DE8-F31366E7A2C9}" type="datetimeFigureOut">
               <a:rPr lang="fr-CH" smtClean="0"/>
-              <a:t>22.03.2017</a:t>
+              <a:t>25.03.2017</a:t>
             </a:fld>
             <a:endParaRPr lang="fr-CH"/>
           </a:p>
@@ -2053,7 +2061,7 @@
           <a:p>
             <a:fld id="{94328966-CC26-4D4A-9DE8-F31366E7A2C9}" type="datetimeFigureOut">
               <a:rPr lang="fr-CH" smtClean="0"/>
-              <a:t>22.03.2017</a:t>
+              <a:t>25.03.2017</a:t>
             </a:fld>
             <a:endParaRPr lang="fr-CH"/>
           </a:p>
@@ -2446,7 +2454,7 @@
           <a:p>
             <a:fld id="{94328966-CC26-4D4A-9DE8-F31366E7A2C9}" type="datetimeFigureOut">
               <a:rPr lang="fr-CH" smtClean="0"/>
-              <a:t>22.03.2017</a:t>
+              <a:t>25.03.2017</a:t>
             </a:fld>
             <a:endParaRPr lang="fr-CH"/>
           </a:p>
@@ -2616,7 +2624,7 @@
           <a:p>
             <a:fld id="{94328966-CC26-4D4A-9DE8-F31366E7A2C9}" type="datetimeFigureOut">
               <a:rPr lang="fr-CH" smtClean="0"/>
-              <a:t>22.03.2017</a:t>
+              <a:t>25.03.2017</a:t>
             </a:fld>
             <a:endParaRPr lang="fr-CH"/>
           </a:p>
@@ -2796,7 +2804,7 @@
           <a:p>
             <a:fld id="{94328966-CC26-4D4A-9DE8-F31366E7A2C9}" type="datetimeFigureOut">
               <a:rPr lang="fr-CH" smtClean="0"/>
-              <a:t>22.03.2017</a:t>
+              <a:t>25.03.2017</a:t>
             </a:fld>
             <a:endParaRPr lang="fr-CH"/>
           </a:p>
@@ -2972,7 +2980,7 @@
           <a:p>
             <a:fld id="{94328966-CC26-4D4A-9DE8-F31366E7A2C9}" type="datetimeFigureOut">
               <a:rPr lang="fr-CH" smtClean="0"/>
-              <a:t>22.03.2017</a:t>
+              <a:t>25.03.2017</a:t>
             </a:fld>
             <a:endParaRPr lang="fr-CH"/>
           </a:p>
@@ -3219,7 +3227,7 @@
           <a:p>
             <a:fld id="{94328966-CC26-4D4A-9DE8-F31366E7A2C9}" type="datetimeFigureOut">
               <a:rPr lang="fr-CH" smtClean="0"/>
-              <a:t>22.03.2017</a:t>
+              <a:t>25.03.2017</a:t>
             </a:fld>
             <a:endParaRPr lang="fr-CH"/>
           </a:p>
@@ -3451,7 +3459,7 @@
           <a:p>
             <a:fld id="{94328966-CC26-4D4A-9DE8-F31366E7A2C9}" type="datetimeFigureOut">
               <a:rPr lang="fr-CH" smtClean="0"/>
-              <a:t>22.03.2017</a:t>
+              <a:t>25.03.2017</a:t>
             </a:fld>
             <a:endParaRPr lang="fr-CH"/>
           </a:p>
@@ -3825,7 +3833,7 @@
           <a:p>
             <a:fld id="{94328966-CC26-4D4A-9DE8-F31366E7A2C9}" type="datetimeFigureOut">
               <a:rPr lang="fr-CH" smtClean="0"/>
-              <a:t>22.03.2017</a:t>
+              <a:t>25.03.2017</a:t>
             </a:fld>
             <a:endParaRPr lang="fr-CH"/>
           </a:p>
@@ -3948,7 +3956,7 @@
           <a:p>
             <a:fld id="{94328966-CC26-4D4A-9DE8-F31366E7A2C9}" type="datetimeFigureOut">
               <a:rPr lang="fr-CH" smtClean="0"/>
-              <a:t>22.03.2017</a:t>
+              <a:t>25.03.2017</a:t>
             </a:fld>
             <a:endParaRPr lang="fr-CH"/>
           </a:p>
@@ -4043,7 +4051,7 @@
           <a:p>
             <a:fld id="{94328966-CC26-4D4A-9DE8-F31366E7A2C9}" type="datetimeFigureOut">
               <a:rPr lang="fr-CH" smtClean="0"/>
-              <a:t>22.03.2017</a:t>
+              <a:t>25.03.2017</a:t>
             </a:fld>
             <a:endParaRPr lang="fr-CH"/>
           </a:p>
@@ -4298,7 +4306,7 @@
           <a:p>
             <a:fld id="{94328966-CC26-4D4A-9DE8-F31366E7A2C9}" type="datetimeFigureOut">
               <a:rPr lang="fr-CH" smtClean="0"/>
-              <a:t>22.03.2017</a:t>
+              <a:t>25.03.2017</a:t>
             </a:fld>
             <a:endParaRPr lang="fr-CH"/>
           </a:p>
@@ -4561,7 +4569,7 @@
           <a:p>
             <a:fld id="{94328966-CC26-4D4A-9DE8-F31366E7A2C9}" type="datetimeFigureOut">
               <a:rPr lang="fr-CH" smtClean="0"/>
-              <a:t>22.03.2017</a:t>
+              <a:t>25.03.2017</a:t>
             </a:fld>
             <a:endParaRPr lang="fr-CH"/>
           </a:p>
@@ -5304,7 +5312,7 @@
           <a:p>
             <a:fld id="{94328966-CC26-4D4A-9DE8-F31366E7A2C9}" type="datetimeFigureOut">
               <a:rPr lang="fr-CH" smtClean="0"/>
-              <a:t>22.03.2017</a:t>
+              <a:t>25.03.2017</a:t>
             </a:fld>
             <a:endParaRPr lang="fr-CH"/>
           </a:p>
@@ -5899,6 +5907,304 @@
 </p:sld>
 </file>
 
+<file path=ppt/slides/slide10.xml><?xml version="1.0" encoding="utf-8"?>
+<p:sld xmlns:a="http://schemas.openxmlformats.org/drawingml/2006/main" xmlns:r="http://schemas.openxmlformats.org/officeDocument/2006/relationships" xmlns:p="http://schemas.openxmlformats.org/presentationml/2006/main">
+  <p:cSld>
+    <p:spTree>
+      <p:nvGrpSpPr>
+        <p:cNvPr id="1" name=""/>
+        <p:cNvGrpSpPr/>
+        <p:nvPr/>
+      </p:nvGrpSpPr>
+      <p:grpSpPr>
+        <a:xfrm>
+          <a:off x="0" y="0"/>
+          <a:ext cx="0" cy="0"/>
+          <a:chOff x="0" y="0"/>
+          <a:chExt cx="0" cy="0"/>
+        </a:xfrm>
+      </p:grpSpPr>
+      <p:sp>
+        <p:nvSpPr>
+          <p:cNvPr id="2" name="Titre 1"/>
+          <p:cNvSpPr>
+            <a:spLocks noGrp="1"/>
+          </p:cNvSpPr>
+          <p:nvPr>
+            <p:ph type="title"/>
+          </p:nvPr>
+        </p:nvSpPr>
+        <p:spPr>
+          <a:xfrm>
+            <a:off x="3455040" y="1312013"/>
+            <a:ext cx="8596668" cy="1826581"/>
+          </a:xfrm>
+        </p:spPr>
+        <p:txBody>
+          <a:bodyPr/>
+          <a:lstStyle/>
+          <a:p>
+            <a:r>
+              <a:rPr lang="fr-CH" dirty="0" smtClean="0"/>
+              <a:t>Démonstration</a:t>
+            </a:r>
+            <a:endParaRPr lang="fr-CH" dirty="0"/>
+          </a:p>
+        </p:txBody>
+      </p:sp>
+      <p:sp>
+        <p:nvSpPr>
+          <p:cNvPr id="3" name="Espace réservé du texte 2"/>
+          <p:cNvSpPr>
+            <a:spLocks noGrp="1"/>
+          </p:cNvSpPr>
+          <p:nvPr>
+            <p:ph type="body" idx="1"/>
+          </p:nvPr>
+        </p:nvSpPr>
+        <p:spPr/>
+        <p:txBody>
+          <a:bodyPr/>
+          <a:lstStyle/>
+          <a:p>
+            <a:endParaRPr lang="fr-CH"/>
+          </a:p>
+        </p:txBody>
+      </p:sp>
+    </p:spTree>
+    <p:extLst>
+      <p:ext uri="{BB962C8B-B14F-4D97-AF65-F5344CB8AC3E}">
+        <p14:creationId xmlns:p14="http://schemas.microsoft.com/office/powerpoint/2010/main" val="2754117802"/>
+      </p:ext>
+    </p:extLst>
+  </p:cSld>
+  <p:clrMapOvr>
+    <a:masterClrMapping/>
+  </p:clrMapOvr>
+</p:sld>
+</file>
+
+<file path=ppt/slides/slide11.xml><?xml version="1.0" encoding="utf-8"?>
+<p:sld xmlns:a="http://schemas.openxmlformats.org/drawingml/2006/main" xmlns:r="http://schemas.openxmlformats.org/officeDocument/2006/relationships" xmlns:p="http://schemas.openxmlformats.org/presentationml/2006/main">
+  <p:cSld>
+    <p:spTree>
+      <p:nvGrpSpPr>
+        <p:cNvPr id="1" name=""/>
+        <p:cNvGrpSpPr/>
+        <p:nvPr/>
+      </p:nvGrpSpPr>
+      <p:grpSpPr>
+        <a:xfrm>
+          <a:off x="0" y="0"/>
+          <a:ext cx="0" cy="0"/>
+          <a:chOff x="0" y="0"/>
+          <a:chExt cx="0" cy="0"/>
+        </a:xfrm>
+      </p:grpSpPr>
+      <p:sp>
+        <p:nvSpPr>
+          <p:cNvPr id="2" name="Titre 1"/>
+          <p:cNvSpPr>
+            <a:spLocks noGrp="1"/>
+          </p:cNvSpPr>
+          <p:nvPr>
+            <p:ph type="title"/>
+          </p:nvPr>
+        </p:nvSpPr>
+        <p:spPr/>
+        <p:txBody>
+          <a:bodyPr/>
+          <a:lstStyle/>
+          <a:p>
+            <a:r>
+              <a:rPr lang="fr-CH" dirty="0" smtClean="0"/>
+              <a:t>Difficultés rencontrées</a:t>
+            </a:r>
+            <a:endParaRPr lang="fr-CH" dirty="0"/>
+          </a:p>
+        </p:txBody>
+      </p:sp>
+      <p:sp>
+        <p:nvSpPr>
+          <p:cNvPr id="3" name="Espace réservé du contenu 2"/>
+          <p:cNvSpPr>
+            <a:spLocks noGrp="1"/>
+          </p:cNvSpPr>
+          <p:nvPr>
+            <p:ph idx="1"/>
+          </p:nvPr>
+        </p:nvSpPr>
+        <p:spPr/>
+        <p:txBody>
+          <a:bodyPr/>
+          <a:lstStyle/>
+          <a:p>
+            <a:r>
+              <a:rPr lang="fr-CH" dirty="0" err="1" smtClean="0"/>
+              <a:t>Bootstrap</a:t>
+            </a:r>
+            <a:endParaRPr lang="fr-CH" dirty="0" smtClean="0"/>
+          </a:p>
+          <a:p>
+            <a:pPr lvl="1"/>
+            <a:r>
+              <a:rPr lang="fr-CH" dirty="0" smtClean="0"/>
+              <a:t>Intégration du </a:t>
+            </a:r>
+            <a:r>
+              <a:rPr lang="fr-CH" dirty="0" err="1" smtClean="0"/>
+              <a:t>framework</a:t>
+            </a:r>
+            <a:r>
+              <a:rPr lang="fr-CH" dirty="0" smtClean="0"/>
+              <a:t> dans le site</a:t>
+            </a:r>
+          </a:p>
+          <a:p>
+            <a:r>
+              <a:rPr lang="fr-CH" dirty="0" smtClean="0"/>
+              <a:t>Sécurité</a:t>
+            </a:r>
+          </a:p>
+          <a:p>
+            <a:pPr lvl="1"/>
+            <a:r>
+              <a:rPr lang="fr-CH" dirty="0" smtClean="0"/>
+              <a:t>Empêcher les utilisateurs d’accéder à des pages sans être connecté ou en n’ayant pas les droits nécessaires</a:t>
+            </a:r>
+            <a:endParaRPr lang="fr-CH" dirty="0"/>
+          </a:p>
+        </p:txBody>
+      </p:sp>
+    </p:spTree>
+    <p:extLst>
+      <p:ext uri="{BB962C8B-B14F-4D97-AF65-F5344CB8AC3E}">
+        <p14:creationId xmlns:p14="http://schemas.microsoft.com/office/powerpoint/2010/main" val="3470461163"/>
+      </p:ext>
+    </p:extLst>
+  </p:cSld>
+  <p:clrMapOvr>
+    <a:masterClrMapping/>
+  </p:clrMapOvr>
+</p:sld>
+</file>
+
+<file path=ppt/slides/slide12.xml><?xml version="1.0" encoding="utf-8"?>
+<p:sld xmlns:a="http://schemas.openxmlformats.org/drawingml/2006/main" xmlns:r="http://schemas.openxmlformats.org/officeDocument/2006/relationships" xmlns:p="http://schemas.openxmlformats.org/presentationml/2006/main">
+  <p:cSld>
+    <p:spTree>
+      <p:nvGrpSpPr>
+        <p:cNvPr id="1" name=""/>
+        <p:cNvGrpSpPr/>
+        <p:nvPr/>
+      </p:nvGrpSpPr>
+      <p:grpSpPr>
+        <a:xfrm>
+          <a:off x="0" y="0"/>
+          <a:ext cx="0" cy="0"/>
+          <a:chOff x="0" y="0"/>
+          <a:chExt cx="0" cy="0"/>
+        </a:xfrm>
+      </p:grpSpPr>
+      <p:sp>
+        <p:nvSpPr>
+          <p:cNvPr id="2" name="Titre 1"/>
+          <p:cNvSpPr>
+            <a:spLocks noGrp="1"/>
+          </p:cNvSpPr>
+          <p:nvPr>
+            <p:ph type="title"/>
+          </p:nvPr>
+        </p:nvSpPr>
+        <p:spPr>
+          <a:xfrm>
+            <a:off x="3843228" y="2429773"/>
+            <a:ext cx="8596668" cy="1320800"/>
+          </a:xfrm>
+        </p:spPr>
+        <p:txBody>
+          <a:bodyPr/>
+          <a:lstStyle/>
+          <a:p>
+            <a:r>
+              <a:rPr lang="fr-CH" dirty="0" smtClean="0"/>
+              <a:t>Conclusion</a:t>
+            </a:r>
+            <a:endParaRPr lang="fr-CH" dirty="0"/>
+          </a:p>
+        </p:txBody>
+      </p:sp>
+    </p:spTree>
+    <p:extLst>
+      <p:ext uri="{BB962C8B-B14F-4D97-AF65-F5344CB8AC3E}">
+        <p14:creationId xmlns:p14="http://schemas.microsoft.com/office/powerpoint/2010/main" val="2607727391"/>
+      </p:ext>
+    </p:extLst>
+  </p:cSld>
+  <p:clrMapOvr>
+    <a:masterClrMapping/>
+  </p:clrMapOvr>
+</p:sld>
+</file>
+
+<file path=ppt/slides/slide13.xml><?xml version="1.0" encoding="utf-8"?>
+<p:sld xmlns:a="http://schemas.openxmlformats.org/drawingml/2006/main" xmlns:r="http://schemas.openxmlformats.org/officeDocument/2006/relationships" xmlns:p="http://schemas.openxmlformats.org/presentationml/2006/main">
+  <p:cSld>
+    <p:spTree>
+      <p:nvGrpSpPr>
+        <p:cNvPr id="1" name=""/>
+        <p:cNvGrpSpPr/>
+        <p:nvPr/>
+      </p:nvGrpSpPr>
+      <p:grpSpPr>
+        <a:xfrm>
+          <a:off x="0" y="0"/>
+          <a:ext cx="0" cy="0"/>
+          <a:chOff x="0" y="0"/>
+          <a:chExt cx="0" cy="0"/>
+        </a:xfrm>
+      </p:grpSpPr>
+      <p:sp>
+        <p:nvSpPr>
+          <p:cNvPr id="2" name="Titre 1"/>
+          <p:cNvSpPr>
+            <a:spLocks noGrp="1"/>
+          </p:cNvSpPr>
+          <p:nvPr>
+            <p:ph type="title"/>
+          </p:nvPr>
+        </p:nvSpPr>
+        <p:spPr>
+          <a:xfrm>
+            <a:off x="3845498" y="2378015"/>
+            <a:ext cx="8596668" cy="1320800"/>
+          </a:xfrm>
+        </p:spPr>
+        <p:txBody>
+          <a:bodyPr/>
+          <a:lstStyle/>
+          <a:p>
+            <a:r>
+              <a:rPr lang="fr-CH" dirty="0" smtClean="0"/>
+              <a:t>Questions??</a:t>
+            </a:r>
+            <a:endParaRPr lang="fr-CH" dirty="0"/>
+          </a:p>
+        </p:txBody>
+      </p:sp>
+    </p:spTree>
+    <p:extLst>
+      <p:ext uri="{BB962C8B-B14F-4D97-AF65-F5344CB8AC3E}">
+        <p14:creationId xmlns:p14="http://schemas.microsoft.com/office/powerpoint/2010/main" val="1440683321"/>
+      </p:ext>
+    </p:extLst>
+  </p:cSld>
+  <p:clrMapOvr>
+    <a:masterClrMapping/>
+  </p:clrMapOvr>
+</p:sld>
+</file>
+
 <file path=ppt/slides/slide2.xml><?xml version="1.0" encoding="utf-8"?>
 <p:sld xmlns:a="http://schemas.openxmlformats.org/drawingml/2006/main" xmlns:r="http://schemas.openxmlformats.org/officeDocument/2006/relationships" xmlns:p="http://schemas.openxmlformats.org/presentationml/2006/main">
   <p:cSld>
@@ -5956,20 +6262,11 @@
           <a:p>
             <a:r>
               <a:rPr lang="fr-CH" dirty="0" smtClean="0"/>
-              <a:t>Mandataire</a:t>
-            </a:r>
-          </a:p>
-          <a:p>
-            <a:pPr lvl="1"/>
+              <a:t>But </a:t>
+            </a:r>
             <a:r>
               <a:rPr lang="fr-CH" dirty="0" smtClean="0"/>
-              <a:t>Club de ski nautique</a:t>
-            </a:r>
-          </a:p>
-          <a:p>
-            <a:r>
-              <a:rPr lang="fr-CH" dirty="0" smtClean="0"/>
-              <a:t>But du projet</a:t>
+              <a:t>du projet</a:t>
             </a:r>
           </a:p>
           <a:p>
@@ -6013,6 +6310,282 @@
 </file>
 
 <file path=ppt/slides/slide3.xml><?xml version="1.0" encoding="utf-8"?>
+<p:sld xmlns:a="http://schemas.openxmlformats.org/drawingml/2006/main" xmlns:r="http://schemas.openxmlformats.org/officeDocument/2006/relationships" xmlns:p="http://schemas.openxmlformats.org/presentationml/2006/main">
+  <p:cSld>
+    <p:spTree>
+      <p:nvGrpSpPr>
+        <p:cNvPr id="1" name=""/>
+        <p:cNvGrpSpPr/>
+        <p:nvPr/>
+      </p:nvGrpSpPr>
+      <p:grpSpPr>
+        <a:xfrm>
+          <a:off x="0" y="0"/>
+          <a:ext cx="0" cy="0"/>
+          <a:chOff x="0" y="0"/>
+          <a:chExt cx="0" cy="0"/>
+        </a:xfrm>
+      </p:grpSpPr>
+      <p:sp>
+        <p:nvSpPr>
+          <p:cNvPr id="2" name="Titre 1"/>
+          <p:cNvSpPr>
+            <a:spLocks noGrp="1"/>
+          </p:cNvSpPr>
+          <p:nvPr>
+            <p:ph type="title"/>
+          </p:nvPr>
+        </p:nvSpPr>
+        <p:spPr/>
+        <p:txBody>
+          <a:bodyPr/>
+          <a:lstStyle/>
+          <a:p>
+            <a:r>
+              <a:rPr lang="fr-CH" dirty="0" smtClean="0"/>
+              <a:t>Avant projet</a:t>
+            </a:r>
+            <a:endParaRPr lang="fr-CH" dirty="0"/>
+          </a:p>
+        </p:txBody>
+      </p:sp>
+      <p:sp>
+        <p:nvSpPr>
+          <p:cNvPr id="3" name="Espace réservé du contenu 2"/>
+          <p:cNvSpPr>
+            <a:spLocks noGrp="1"/>
+          </p:cNvSpPr>
+          <p:nvPr>
+            <p:ph idx="1"/>
+          </p:nvPr>
+        </p:nvSpPr>
+        <p:spPr/>
+        <p:txBody>
+          <a:bodyPr/>
+          <a:lstStyle/>
+          <a:p>
+            <a:r>
+              <a:rPr lang="fr-CH" dirty="0" smtClean="0"/>
+              <a:t>Tests avec le </a:t>
+            </a:r>
+            <a:r>
+              <a:rPr lang="fr-CH" dirty="0" err="1" smtClean="0"/>
+              <a:t>framework</a:t>
+            </a:r>
+            <a:r>
+              <a:rPr lang="fr-CH" dirty="0" smtClean="0"/>
+              <a:t> </a:t>
+            </a:r>
+            <a:r>
+              <a:rPr lang="fr-CH" dirty="0" err="1" smtClean="0"/>
+              <a:t>CodeIgniter</a:t>
+            </a:r>
+            <a:endParaRPr lang="fr-CH" dirty="0"/>
+          </a:p>
+        </p:txBody>
+      </p:sp>
+    </p:spTree>
+    <p:extLst>
+      <p:ext uri="{BB962C8B-B14F-4D97-AF65-F5344CB8AC3E}">
+        <p14:creationId xmlns:p14="http://schemas.microsoft.com/office/powerpoint/2010/main" val="312131771"/>
+      </p:ext>
+    </p:extLst>
+  </p:cSld>
+  <p:clrMapOvr>
+    <a:masterClrMapping/>
+  </p:clrMapOvr>
+</p:sld>
+</file>
+
+<file path=ppt/slides/slide4.xml><?xml version="1.0" encoding="utf-8"?>
+<p:sld xmlns:a="http://schemas.openxmlformats.org/drawingml/2006/main" xmlns:r="http://schemas.openxmlformats.org/officeDocument/2006/relationships" xmlns:p="http://schemas.openxmlformats.org/presentationml/2006/main">
+  <p:cSld>
+    <p:spTree>
+      <p:nvGrpSpPr>
+        <p:cNvPr id="1" name=""/>
+        <p:cNvGrpSpPr/>
+        <p:nvPr/>
+      </p:nvGrpSpPr>
+      <p:grpSpPr>
+        <a:xfrm>
+          <a:off x="0" y="0"/>
+          <a:ext cx="0" cy="0"/>
+          <a:chOff x="0" y="0"/>
+          <a:chExt cx="0" cy="0"/>
+        </a:xfrm>
+      </p:grpSpPr>
+      <p:sp>
+        <p:nvSpPr>
+          <p:cNvPr id="2" name="Titre 1"/>
+          <p:cNvSpPr>
+            <a:spLocks noGrp="1"/>
+          </p:cNvSpPr>
+          <p:nvPr>
+            <p:ph type="title"/>
+          </p:nvPr>
+        </p:nvSpPr>
+        <p:spPr/>
+        <p:txBody>
+          <a:bodyPr/>
+          <a:lstStyle/>
+          <a:p>
+            <a:r>
+              <a:rPr lang="fr-CH" dirty="0" smtClean="0"/>
+              <a:t>Hébergement de l’application</a:t>
+            </a:r>
+            <a:endParaRPr lang="fr-CH" dirty="0"/>
+          </a:p>
+        </p:txBody>
+      </p:sp>
+      <p:sp>
+        <p:nvSpPr>
+          <p:cNvPr id="3" name="Espace réservé du contenu 2"/>
+          <p:cNvSpPr>
+            <a:spLocks noGrp="1"/>
+          </p:cNvSpPr>
+          <p:nvPr>
+            <p:ph idx="1"/>
+          </p:nvPr>
+        </p:nvSpPr>
+        <p:spPr/>
+        <p:txBody>
+          <a:bodyPr/>
+          <a:lstStyle/>
+          <a:p>
+            <a:r>
+              <a:rPr lang="fr-CH" dirty="0" err="1" smtClean="0"/>
+              <a:t>WAMPServer</a:t>
+            </a:r>
+            <a:endParaRPr lang="fr-CH" dirty="0" smtClean="0"/>
+          </a:p>
+          <a:p>
+            <a:r>
+              <a:rPr lang="fr-CH" dirty="0" smtClean="0"/>
+              <a:t>Base de données gérée avec </a:t>
+            </a:r>
+            <a:r>
+              <a:rPr lang="fr-CH" dirty="0" err="1" smtClean="0"/>
+              <a:t>PhpMyAdmin</a:t>
+            </a:r>
+            <a:endParaRPr lang="fr-CH" dirty="0"/>
+          </a:p>
+        </p:txBody>
+      </p:sp>
+    </p:spTree>
+    <p:extLst>
+      <p:ext uri="{BB962C8B-B14F-4D97-AF65-F5344CB8AC3E}">
+        <p14:creationId xmlns:p14="http://schemas.microsoft.com/office/powerpoint/2010/main" val="112358852"/>
+      </p:ext>
+    </p:extLst>
+  </p:cSld>
+  <p:clrMapOvr>
+    <a:masterClrMapping/>
+  </p:clrMapOvr>
+</p:sld>
+</file>
+
+<file path=ppt/slides/slide5.xml><?xml version="1.0" encoding="utf-8"?>
+<p:sld xmlns:a="http://schemas.openxmlformats.org/drawingml/2006/main" xmlns:r="http://schemas.openxmlformats.org/officeDocument/2006/relationships" xmlns:p="http://schemas.openxmlformats.org/presentationml/2006/main">
+  <p:cSld>
+    <p:spTree>
+      <p:nvGrpSpPr>
+        <p:cNvPr id="1" name=""/>
+        <p:cNvGrpSpPr/>
+        <p:nvPr/>
+      </p:nvGrpSpPr>
+      <p:grpSpPr>
+        <a:xfrm>
+          <a:off x="0" y="0"/>
+          <a:ext cx="0" cy="0"/>
+          <a:chOff x="0" y="0"/>
+          <a:chExt cx="0" cy="0"/>
+        </a:xfrm>
+      </p:grpSpPr>
+      <p:sp>
+        <p:nvSpPr>
+          <p:cNvPr id="2" name="Titre 1"/>
+          <p:cNvSpPr>
+            <a:spLocks noGrp="1"/>
+          </p:cNvSpPr>
+          <p:nvPr>
+            <p:ph type="title"/>
+          </p:nvPr>
+        </p:nvSpPr>
+        <p:spPr/>
+        <p:txBody>
+          <a:bodyPr/>
+          <a:lstStyle/>
+          <a:p>
+            <a:r>
+              <a:rPr lang="fr-CH" dirty="0" smtClean="0"/>
+              <a:t>Langages utilisés</a:t>
+            </a:r>
+            <a:endParaRPr lang="fr-CH" dirty="0"/>
+          </a:p>
+        </p:txBody>
+      </p:sp>
+      <p:sp>
+        <p:nvSpPr>
+          <p:cNvPr id="3" name="Espace réservé du contenu 2"/>
+          <p:cNvSpPr>
+            <a:spLocks noGrp="1"/>
+          </p:cNvSpPr>
+          <p:nvPr>
+            <p:ph idx="1"/>
+          </p:nvPr>
+        </p:nvSpPr>
+        <p:spPr/>
+        <p:txBody>
+          <a:bodyPr/>
+          <a:lstStyle/>
+          <a:p>
+            <a:r>
+              <a:rPr lang="fr-CH" dirty="0" smtClean="0"/>
+              <a:t>HTML</a:t>
+            </a:r>
+          </a:p>
+          <a:p>
+            <a:r>
+              <a:rPr lang="fr-CH" dirty="0" smtClean="0"/>
+              <a:t>CSS -&gt; </a:t>
+            </a:r>
+            <a:r>
+              <a:rPr lang="fr-CH" dirty="0" err="1" smtClean="0"/>
+              <a:t>Bootstrap</a:t>
+            </a:r>
+            <a:endParaRPr lang="fr-CH" dirty="0" smtClean="0"/>
+          </a:p>
+          <a:p>
+            <a:r>
+              <a:rPr lang="fr-CH" dirty="0" smtClean="0"/>
+              <a:t>PHP</a:t>
+            </a:r>
+          </a:p>
+          <a:p>
+            <a:r>
+              <a:rPr lang="fr-CH" dirty="0" smtClean="0"/>
+              <a:t>MySQL</a:t>
+            </a:r>
+          </a:p>
+          <a:p>
+            <a:endParaRPr lang="fr-CH" dirty="0"/>
+          </a:p>
+        </p:txBody>
+      </p:sp>
+    </p:spTree>
+    <p:extLst>
+      <p:ext uri="{BB962C8B-B14F-4D97-AF65-F5344CB8AC3E}">
+        <p14:creationId xmlns:p14="http://schemas.microsoft.com/office/powerpoint/2010/main" val="3976356421"/>
+      </p:ext>
+    </p:extLst>
+  </p:cSld>
+  <p:clrMapOvr>
+    <a:masterClrMapping/>
+  </p:clrMapOvr>
+</p:sld>
+</file>
+
+<file path=ppt/slides/slide6.xml><?xml version="1.0" encoding="utf-8"?>
 <p:sld xmlns:a="http://schemas.openxmlformats.org/drawingml/2006/main" xmlns:r="http://schemas.openxmlformats.org/officeDocument/2006/relationships" xmlns:p="http://schemas.openxmlformats.org/presentationml/2006/main">
   <p:cSld>
     <p:spTree>
@@ -6109,7 +6682,7 @@
 </p:sld>
 </file>
 
-<file path=ppt/slides/slide4.xml><?xml version="1.0" encoding="utf-8"?>
+<file path=ppt/slides/slide7.xml><?xml version="1.0" encoding="utf-8"?>
 <p:sld xmlns:a="http://schemas.openxmlformats.org/drawingml/2006/main" xmlns:r="http://schemas.openxmlformats.org/officeDocument/2006/relationships" xmlns:p="http://schemas.openxmlformats.org/presentationml/2006/main">
   <p:cSld>
     <p:spTree>
@@ -6206,7 +6779,7 @@
 </p:sld>
 </file>
 
-<file path=ppt/slides/slide5.xml><?xml version="1.0" encoding="utf-8"?>
+<file path=ppt/slides/slide8.xml><?xml version="1.0" encoding="utf-8"?>
 <p:sld xmlns:a="http://schemas.openxmlformats.org/drawingml/2006/main" xmlns:r="http://schemas.openxmlformats.org/officeDocument/2006/relationships" xmlns:p="http://schemas.openxmlformats.org/presentationml/2006/main">
   <p:cSld>
     <p:spTree>
@@ -6240,66 +6813,181 @@
           <a:p>
             <a:r>
               <a:rPr lang="fr-CH" dirty="0" smtClean="0"/>
-              <a:t>Flux de navigation</a:t>
+              <a:t>Différents statuts</a:t>
             </a:r>
             <a:endParaRPr lang="fr-CH" dirty="0"/>
           </a:p>
         </p:txBody>
       </p:sp>
-      <p:pic>
-        <p:nvPicPr>
-          <p:cNvPr id="4" name="Espace réservé du contenu 3" descr="C:\wamp64\www\TPI-TEST\Doc\Conception\Flux_navigation.png"/>
-          <p:cNvPicPr>
-            <a:picLocks noGrp="1"/>
-          </p:cNvPicPr>
+      <p:sp>
+        <p:nvSpPr>
+          <p:cNvPr id="3" name="Espace réservé du contenu 2"/>
+          <p:cNvSpPr>
+            <a:spLocks noGrp="1"/>
+          </p:cNvSpPr>
           <p:nvPr>
             <p:ph idx="1"/>
           </p:nvPr>
-        </p:nvPicPr>
-        <p:blipFill>
-          <a:blip r:embed="rId2">
-            <a:extLst>
-              <a:ext uri="{28A0092B-C50C-407E-A947-70E740481C1C}">
-                <a14:useLocalDpi xmlns:a14="http://schemas.microsoft.com/office/drawing/2010/main" val="0"/>
-              </a:ext>
-            </a:extLst>
-          </a:blip>
-          <a:srcRect/>
-          <a:stretch>
-            <a:fillRect/>
-          </a:stretch>
-        </p:blipFill>
-        <p:spPr bwMode="auto">
-          <a:xfrm>
-            <a:off x="677334" y="1270000"/>
-            <a:ext cx="7334552" cy="5184770"/>
-          </a:xfrm>
-          <a:prstGeom prst="rect">
-            <a:avLst/>
-          </a:prstGeom>
-          <a:noFill/>
-          <a:ln>
-            <a:noFill/>
-          </a:ln>
-        </p:spPr>
-      </p:pic>
+        </p:nvSpPr>
+        <p:spPr/>
+        <p:txBody>
+          <a:bodyPr/>
+          <a:lstStyle/>
+          <a:p>
+            <a:r>
+              <a:rPr lang="fr-CH" dirty="0" smtClean="0"/>
+              <a:t>Employé</a:t>
+            </a:r>
+          </a:p>
+          <a:p>
+            <a:r>
+              <a:rPr lang="fr-CH" dirty="0" smtClean="0"/>
+              <a:t>Caissier</a:t>
+            </a:r>
+          </a:p>
+          <a:p>
+            <a:r>
+              <a:rPr lang="fr-CH" dirty="0" smtClean="0"/>
+              <a:t>Superviseur</a:t>
+            </a:r>
+            <a:endParaRPr lang="fr-CH" dirty="0"/>
+          </a:p>
+        </p:txBody>
+      </p:sp>
     </p:spTree>
     <p:extLst>
       <p:ext uri="{BB962C8B-B14F-4D97-AF65-F5344CB8AC3E}">
-        <p14:creationId xmlns:p14="http://schemas.microsoft.com/office/powerpoint/2010/main" val="590023136"/>
+        <p14:creationId xmlns:p14="http://schemas.microsoft.com/office/powerpoint/2010/main" val="113475653"/>
       </p:ext>
     </p:extLst>
   </p:cSld>
   <p:clrMapOvr>
     <a:masterClrMapping/>
   </p:clrMapOvr>
-  <p:timing>
-    <p:tnLst>
-      <p:par>
-        <p:cTn id="1" dur="indefinite" restart="never" nodeType="tmRoot"/>
-      </p:par>
-    </p:tnLst>
-  </p:timing>
+</p:sld>
+</file>
+
+<file path=ppt/slides/slide9.xml><?xml version="1.0" encoding="utf-8"?>
+<p:sld xmlns:a="http://schemas.openxmlformats.org/drawingml/2006/main" xmlns:r="http://schemas.openxmlformats.org/officeDocument/2006/relationships" xmlns:p="http://schemas.openxmlformats.org/presentationml/2006/main">
+  <p:cSld>
+    <p:spTree>
+      <p:nvGrpSpPr>
+        <p:cNvPr id="1" name=""/>
+        <p:cNvGrpSpPr/>
+        <p:nvPr/>
+      </p:nvGrpSpPr>
+      <p:grpSpPr>
+        <a:xfrm>
+          <a:off x="0" y="0"/>
+          <a:ext cx="0" cy="0"/>
+          <a:chOff x="0" y="0"/>
+          <a:chExt cx="0" cy="0"/>
+        </a:xfrm>
+      </p:grpSpPr>
+      <p:sp>
+        <p:nvSpPr>
+          <p:cNvPr id="2" name="Titre 1"/>
+          <p:cNvSpPr>
+            <a:spLocks noGrp="1"/>
+          </p:cNvSpPr>
+          <p:nvPr>
+            <p:ph type="title"/>
+          </p:nvPr>
+        </p:nvSpPr>
+        <p:spPr/>
+        <p:txBody>
+          <a:bodyPr/>
+          <a:lstStyle/>
+          <a:p>
+            <a:r>
+              <a:rPr lang="fr-CH" dirty="0" smtClean="0"/>
+              <a:t>Fonctionnalités</a:t>
+            </a:r>
+            <a:endParaRPr lang="fr-CH" dirty="0"/>
+          </a:p>
+        </p:txBody>
+      </p:sp>
+      <p:sp>
+        <p:nvSpPr>
+          <p:cNvPr id="3" name="Espace réservé du contenu 2"/>
+          <p:cNvSpPr>
+            <a:spLocks noGrp="1"/>
+          </p:cNvSpPr>
+          <p:nvPr>
+            <p:ph idx="1"/>
+          </p:nvPr>
+        </p:nvSpPr>
+        <p:spPr/>
+        <p:txBody>
+          <a:bodyPr/>
+          <a:lstStyle/>
+          <a:p>
+            <a:r>
+              <a:rPr lang="fr-CH" dirty="0" smtClean="0"/>
+              <a:t>Saisie de consommation</a:t>
+            </a:r>
+          </a:p>
+          <a:p>
+            <a:r>
+              <a:rPr lang="fr-CH" dirty="0" smtClean="0"/>
+              <a:t>Vues des saisies</a:t>
+            </a:r>
+          </a:p>
+          <a:p>
+            <a:r>
+              <a:rPr lang="fr-CH" dirty="0" smtClean="0"/>
+              <a:t>Gestion des factures</a:t>
+            </a:r>
+          </a:p>
+          <a:p>
+            <a:pPr lvl="1"/>
+            <a:r>
+              <a:rPr lang="fr-CH" dirty="0" smtClean="0"/>
+              <a:t>Modification des consommations</a:t>
+            </a:r>
+          </a:p>
+          <a:p>
+            <a:r>
+              <a:rPr lang="fr-CH" dirty="0" smtClean="0"/>
+              <a:t>Gestion des utilisateurs</a:t>
+            </a:r>
+          </a:p>
+          <a:p>
+            <a:pPr lvl="1"/>
+            <a:r>
+              <a:rPr lang="fr-CH" dirty="0" smtClean="0"/>
+              <a:t>Ajout</a:t>
+            </a:r>
+          </a:p>
+          <a:p>
+            <a:pPr lvl="1"/>
+            <a:r>
+              <a:rPr lang="fr-CH" dirty="0" smtClean="0"/>
+              <a:t>Modification</a:t>
+            </a:r>
+          </a:p>
+          <a:p>
+            <a:pPr lvl="1"/>
+            <a:r>
+              <a:rPr lang="fr-CH" dirty="0" smtClean="0"/>
+              <a:t>Suppression</a:t>
+            </a:r>
+          </a:p>
+          <a:p>
+            <a:endParaRPr lang="fr-CH" dirty="0"/>
+          </a:p>
+        </p:txBody>
+      </p:sp>
+    </p:spTree>
+    <p:extLst>
+      <p:ext uri="{BB962C8B-B14F-4D97-AF65-F5344CB8AC3E}">
+        <p14:creationId xmlns:p14="http://schemas.microsoft.com/office/powerpoint/2010/main" val="4103399399"/>
+      </p:ext>
+    </p:extLst>
+  </p:cSld>
+  <p:clrMapOvr>
+    <a:masterClrMapping/>
+  </p:clrMapOvr>
 </p:sld>
 </file>
 
@@ -6554,7 +7242,7 @@
   <a:extraClrSchemeLst/>
   <a:extLst>
     <a:ext uri="{05A4C25C-085E-4340-85A3-A5531E510DB2}">
-      <thm15:themeFamily xmlns:thm15="http://schemas.microsoft.com/office/thememl/2012/main" name="Facet" id="{C0C680CD-088A-49FC-A102-D699147F32B2}" vid="{CFBC31BA-B70F-4F30-BCAA-4F3011E16C4D}"/>
+      <thm15:themeFamily xmlns:thm15="http://schemas.microsoft.com/office/thememl/2012/main" xmlns="" name="Facet" id="{C0C680CD-088A-49FC-A102-D699147F32B2}" vid="{CFBC31BA-B70F-4F30-BCAA-4F3011E16C4D}"/>
     </a:ext>
   </a:extLst>
 </a:theme>
